--- a/KTLT-slide-1.pptx
+++ b/KTLT-slide-1.pptx
@@ -3269,6 +3269,9 @@
   <p:clrMapOvr>
     <a:masterClrMapping/>
   </p:clrMapOvr>
+  <p:transition spd="slow">
+    <p:push dir="u"/>
+  </p:transition>
 </p:sld>
 </file>
 
@@ -3654,6 +3657,9 @@
   <p:clrMapOvr>
     <a:masterClrMapping/>
   </p:clrMapOvr>
+  <p:transition spd="slow">
+    <p:push dir="u"/>
+  </p:transition>
 </p:sld>
 </file>
 
@@ -4059,6 +4065,9 @@
   <p:clrMapOvr>
     <a:masterClrMapping/>
   </p:clrMapOvr>
+  <p:transition spd="slow">
+    <p:push dir="u"/>
+  </p:transition>
 </p:sld>
 </file>
 
@@ -4697,6 +4706,9 @@
   <p:clrMapOvr>
     <a:masterClrMapping/>
   </p:clrMapOvr>
+  <p:transition spd="slow">
+    <p:push dir="u"/>
+  </p:transition>
 </p:sld>
 </file>
 
@@ -5394,6 +5406,9 @@
   <p:clrMapOvr>
     <a:masterClrMapping/>
   </p:clrMapOvr>
+  <p:transition spd="slow">
+    <p:push dir="u"/>
+  </p:transition>
 </p:sld>
 </file>
 
@@ -5825,6 +5840,9 @@
   <p:clrMapOvr>
     <a:masterClrMapping/>
   </p:clrMapOvr>
+  <p:transition spd="slow">
+    <p:push dir="u"/>
+  </p:transition>
 </p:sld>
 </file>
 
@@ -6114,6 +6132,9 @@
   <p:clrMapOvr>
     <a:masterClrMapping/>
   </p:clrMapOvr>
+  <p:transition spd="slow">
+    <p:push dir="u"/>
+  </p:transition>
 </p:sld>
 </file>
 
@@ -6441,6 +6462,9 @@
   <p:clrMapOvr>
     <a:masterClrMapping/>
   </p:clrMapOvr>
+  <p:transition spd="slow">
+    <p:push dir="u"/>
+  </p:transition>
 </p:sld>
 </file>
 
@@ -6726,6 +6750,9 @@
   <p:clrMapOvr>
     <a:masterClrMapping/>
   </p:clrMapOvr>
+  <p:transition spd="slow">
+    <p:push dir="u"/>
+  </p:transition>
 </p:sld>
 </file>
 
@@ -7053,6 +7080,9 @@
   <p:clrMapOvr>
     <a:masterClrMapping/>
   </p:clrMapOvr>
+  <p:transition spd="slow">
+    <p:push dir="u"/>
+  </p:transition>
 </p:sld>
 </file>
 
@@ -8317,6 +8347,9 @@
   <p:clrMapOvr>
     <a:masterClrMapping/>
   </p:clrMapOvr>
+  <p:transition spd="slow">
+    <p:push dir="u"/>
+  </p:transition>
 </p:sld>
 </file>
 
@@ -9041,6 +9074,9 @@
   <p:clrMapOvr>
     <a:masterClrMapping/>
   </p:clrMapOvr>
+  <p:transition spd="slow">
+    <p:push dir="u"/>
+  </p:transition>
 </p:sld>
 </file>
 
@@ -9249,6 +9285,9 @@
   <p:clrMapOvr>
     <a:masterClrMapping/>
   </p:clrMapOvr>
+  <p:transition spd="slow">
+    <p:push dir="u"/>
+  </p:transition>
 </p:sld>
 </file>
 
@@ -9457,6 +9496,9 @@
   <p:clrMapOvr>
     <a:masterClrMapping/>
   </p:clrMapOvr>
+  <p:transition spd="slow">
+    <p:push dir="u"/>
+  </p:transition>
 </p:sld>
 </file>
 
@@ -9665,6 +9707,9 @@
   <p:clrMapOvr>
     <a:masterClrMapping/>
   </p:clrMapOvr>
+  <p:transition spd="slow">
+    <p:push dir="u"/>
+  </p:transition>
 </p:sld>
 </file>
 
@@ -9871,6 +9916,9 @@
   <p:clrMapOvr>
     <a:masterClrMapping/>
   </p:clrMapOvr>
+  <p:transition spd="slow">
+    <p:push dir="u"/>
+  </p:transition>
 </p:sld>
 </file>
 
@@ -10060,6 +10108,9 @@
   <p:clrMapOvr>
     <a:masterClrMapping/>
   </p:clrMapOvr>
+  <p:transition spd="slow">
+    <p:push dir="u"/>
+  </p:transition>
 </p:sld>
 </file>
 
@@ -10172,6 +10223,9 @@
   <p:clrMapOvr>
     <a:masterClrMapping/>
   </p:clrMapOvr>
+  <p:transition spd="slow">
+    <p:push dir="u"/>
+  </p:transition>
 </p:sld>
 </file>
 
@@ -10371,6 +10425,9 @@
   <p:clrMapOvr>
     <a:masterClrMapping/>
   </p:clrMapOvr>
+  <p:transition spd="slow">
+    <p:push dir="u"/>
+  </p:transition>
 </p:sld>
 </file>
 
@@ -10815,6 +10872,9 @@
   <p:clrMapOvr>
     <a:masterClrMapping/>
   </p:clrMapOvr>
+  <p:transition spd="slow">
+    <p:push dir="u"/>
+  </p:transition>
 </p:sld>
 </file>
 
@@ -10998,6 +11058,9 @@
   <p:clrMapOvr>
     <a:masterClrMapping/>
   </p:clrMapOvr>
+  <p:transition spd="slow">
+    <p:push dir="u"/>
+  </p:transition>
 </p:sld>
 </file>
 
@@ -11163,6 +11226,9 @@
   <p:clrMapOvr>
     <a:masterClrMapping/>
   </p:clrMapOvr>
+  <p:transition spd="slow">
+    <p:push dir="u"/>
+  </p:transition>
 </p:sld>
 </file>
 
@@ -11848,6 +11914,9 @@
   <p:clrMapOvr>
     <a:masterClrMapping/>
   </p:clrMapOvr>
+  <p:transition spd="slow">
+    <p:push dir="u"/>
+  </p:transition>
 </p:sld>
 </file>
 
@@ -12301,6 +12370,9 @@
   <p:clrMapOvr>
     <a:masterClrMapping/>
   </p:clrMapOvr>
+  <p:transition spd="slow">
+    <p:push dir="u"/>
+  </p:transition>
 </p:sld>
 </file>
 
@@ -12676,6 +12748,9 @@
   <p:clrMapOvr>
     <a:masterClrMapping/>
   </p:clrMapOvr>
+  <p:transition spd="slow">
+    <p:push dir="u"/>
+  </p:transition>
 </p:sld>
 </file>
 
